--- a/宣道詩/(宣道詩167)為主發光.pptx
+++ b/宣道詩/(宣道詩167)為主發光.pptx
@@ -12,7 +12,7 @@
     <p:sldId id="260" r:id="rId6"/>
     <p:sldId id="261" r:id="rId7"/>
   </p:sldIdLst>
-  <p:sldSz cx="9144000" cy="6858000" type="screen4x3"/>
+  <p:sldSz cx="12192000" cy="6858000"/>
   <p:notesSz cx="6858000" cy="9144000"/>
   <p:defaultTextStyle>
     <a:defPPr>
@@ -109,6 +109,22 @@
       </a:defRPr>
     </a:lvl9pPr>
   </p:defaultTextStyle>
+  <p:extLst>
+    <p:ext uri="{EFAFB233-063F-42B5-8137-9DF3F51BA10A}">
+      <p15:sldGuideLst xmlns:p15="http://schemas.microsoft.com/office/powerpoint/2012/main">
+        <p15:guide id="1" orient="horz" pos="2160" userDrawn="1">
+          <p15:clr>
+            <a:srgbClr val="A4A3A4"/>
+          </p15:clr>
+        </p15:guide>
+        <p15:guide id="2" pos="3840" userDrawn="1">
+          <p15:clr>
+            <a:srgbClr val="A4A3A4"/>
+          </p15:clr>
+        </p15:guide>
+      </p15:sldGuideLst>
+    </p:ext>
+  </p:extLst>
 </p:presentation>
 </file>
 
@@ -141,8 +157,8 @@
         </p:nvSpPr>
         <p:spPr>
           <a:xfrm>
-            <a:off x="685800" y="2130425"/>
-            <a:ext cx="7772400" cy="1470025"/>
+            <a:off x="914400" y="2130426"/>
+            <a:ext cx="10363200" cy="1470025"/>
           </a:xfrm>
         </p:spPr>
         <p:txBody>
@@ -169,8 +185,8 @@
         </p:nvSpPr>
         <p:spPr>
           <a:xfrm>
-            <a:off x="1371600" y="3886200"/>
-            <a:ext cx="6400800" cy="1752600"/>
+            <a:off x="1828800" y="3886200"/>
+            <a:ext cx="8534400" cy="1752600"/>
           </a:xfrm>
         </p:spPr>
         <p:txBody>
@@ -293,7 +309,7 @@
           <a:p>
             <a:fld id="{7D428529-2B06-4619-A05F-91988079594F}" type="datetimeFigureOut">
               <a:rPr lang="zh-TW" altLang="en-US" smtClean="0"/>
-              <a:t>2018/7/28</a:t>
+              <a:t>2020/9/28</a:t>
             </a:fld>
             <a:endParaRPr lang="zh-TW" altLang="en-US"/>
           </a:p>
@@ -458,7 +474,7 @@
           <a:p>
             <a:fld id="{7D428529-2B06-4619-A05F-91988079594F}" type="datetimeFigureOut">
               <a:rPr lang="zh-TW" altLang="en-US" smtClean="0"/>
-              <a:t>2018/7/28</a:t>
+              <a:t>2020/9/28</a:t>
             </a:fld>
             <a:endParaRPr lang="zh-TW" altLang="en-US"/>
           </a:p>
@@ -543,8 +559,8 @@
         </p:nvSpPr>
         <p:spPr>
           <a:xfrm>
-            <a:off x="6629400" y="274638"/>
-            <a:ext cx="2057400" cy="5851525"/>
+            <a:off x="8839200" y="274639"/>
+            <a:ext cx="2743200" cy="5851525"/>
           </a:xfrm>
         </p:spPr>
         <p:txBody>
@@ -571,8 +587,8 @@
         </p:nvSpPr>
         <p:spPr>
           <a:xfrm>
-            <a:off x="457200" y="274638"/>
-            <a:ext cx="6019800" cy="5851525"/>
+            <a:off x="609600" y="274639"/>
+            <a:ext cx="8026400" cy="5851525"/>
           </a:xfrm>
         </p:spPr>
         <p:txBody>
@@ -633,7 +649,7 @@
           <a:p>
             <a:fld id="{7D428529-2B06-4619-A05F-91988079594F}" type="datetimeFigureOut">
               <a:rPr lang="zh-TW" altLang="en-US" smtClean="0"/>
-              <a:t>2018/7/28</a:t>
+              <a:t>2020/9/28</a:t>
             </a:fld>
             <a:endParaRPr lang="zh-TW" altLang="en-US"/>
           </a:p>
@@ -798,7 +814,7 @@
           <a:p>
             <a:fld id="{7D428529-2B06-4619-A05F-91988079594F}" type="datetimeFigureOut">
               <a:rPr lang="zh-TW" altLang="en-US" smtClean="0"/>
-              <a:t>2018/7/28</a:t>
+              <a:t>2020/9/28</a:t>
             </a:fld>
             <a:endParaRPr lang="zh-TW" altLang="en-US"/>
           </a:p>
@@ -883,8 +899,8 @@
         </p:nvSpPr>
         <p:spPr>
           <a:xfrm>
-            <a:off x="722313" y="4406900"/>
-            <a:ext cx="7772400" cy="1362075"/>
+            <a:off x="963084" y="4406901"/>
+            <a:ext cx="10363200" cy="1362075"/>
           </a:xfrm>
         </p:spPr>
         <p:txBody>
@@ -915,8 +931,8 @@
         </p:nvSpPr>
         <p:spPr>
           <a:xfrm>
-            <a:off x="722313" y="2906713"/>
-            <a:ext cx="7772400" cy="1500187"/>
+            <a:off x="963084" y="2906713"/>
+            <a:ext cx="10363200" cy="1500187"/>
           </a:xfrm>
         </p:spPr>
         <p:txBody>
@@ -1039,7 +1055,7 @@
           <a:p>
             <a:fld id="{7D428529-2B06-4619-A05F-91988079594F}" type="datetimeFigureOut">
               <a:rPr lang="zh-TW" altLang="en-US" smtClean="0"/>
-              <a:t>2018/7/28</a:t>
+              <a:t>2020/9/28</a:t>
             </a:fld>
             <a:endParaRPr lang="zh-TW" altLang="en-US"/>
           </a:p>
@@ -1147,8 +1163,8 @@
         </p:nvSpPr>
         <p:spPr>
           <a:xfrm>
-            <a:off x="457200" y="1600200"/>
-            <a:ext cx="4038600" cy="4525963"/>
+            <a:off x="609600" y="1600201"/>
+            <a:ext cx="5384800" cy="4525963"/>
           </a:xfrm>
         </p:spPr>
         <p:txBody>
@@ -1232,8 +1248,8 @@
         </p:nvSpPr>
         <p:spPr>
           <a:xfrm>
-            <a:off x="4648200" y="1600200"/>
-            <a:ext cx="4038600" cy="4525963"/>
+            <a:off x="6197600" y="1600201"/>
+            <a:ext cx="5384800" cy="4525963"/>
           </a:xfrm>
         </p:spPr>
         <p:txBody>
@@ -1322,7 +1338,7 @@
           <a:p>
             <a:fld id="{7D428529-2B06-4619-A05F-91988079594F}" type="datetimeFigureOut">
               <a:rPr lang="zh-TW" altLang="en-US" smtClean="0"/>
-              <a:t>2018/7/28</a:t>
+              <a:t>2020/9/28</a:t>
             </a:fld>
             <a:endParaRPr lang="zh-TW" altLang="en-US"/>
           </a:p>
@@ -1434,8 +1450,8 @@
         </p:nvSpPr>
         <p:spPr>
           <a:xfrm>
-            <a:off x="457200" y="1535113"/>
-            <a:ext cx="4040188" cy="639762"/>
+            <a:off x="609600" y="1535113"/>
+            <a:ext cx="5386917" cy="639762"/>
           </a:xfrm>
         </p:spPr>
         <p:txBody>
@@ -1499,8 +1515,8 @@
         </p:nvSpPr>
         <p:spPr>
           <a:xfrm>
-            <a:off x="457200" y="2174875"/>
-            <a:ext cx="4040188" cy="3951288"/>
+            <a:off x="609600" y="2174875"/>
+            <a:ext cx="5386917" cy="3951288"/>
           </a:xfrm>
         </p:spPr>
         <p:txBody>
@@ -1584,8 +1600,8 @@
         </p:nvSpPr>
         <p:spPr>
           <a:xfrm>
-            <a:off x="4645025" y="1535113"/>
-            <a:ext cx="4041775" cy="639762"/>
+            <a:off x="6193368" y="1535113"/>
+            <a:ext cx="5389033" cy="639762"/>
           </a:xfrm>
         </p:spPr>
         <p:txBody>
@@ -1649,8 +1665,8 @@
         </p:nvSpPr>
         <p:spPr>
           <a:xfrm>
-            <a:off x="4645025" y="2174875"/>
-            <a:ext cx="4041775" cy="3951288"/>
+            <a:off x="6193368" y="2174875"/>
+            <a:ext cx="5389033" cy="3951288"/>
           </a:xfrm>
         </p:spPr>
         <p:txBody>
@@ -1739,7 +1755,7 @@
           <a:p>
             <a:fld id="{7D428529-2B06-4619-A05F-91988079594F}" type="datetimeFigureOut">
               <a:rPr lang="zh-TW" altLang="en-US" smtClean="0"/>
-              <a:t>2018/7/28</a:t>
+              <a:t>2020/9/28</a:t>
             </a:fld>
             <a:endParaRPr lang="zh-TW" altLang="en-US"/>
           </a:p>
@@ -1852,7 +1868,7 @@
           <a:p>
             <a:fld id="{7D428529-2B06-4619-A05F-91988079594F}" type="datetimeFigureOut">
               <a:rPr lang="zh-TW" altLang="en-US" smtClean="0"/>
-              <a:t>2018/7/28</a:t>
+              <a:t>2020/9/28</a:t>
             </a:fld>
             <a:endParaRPr lang="zh-TW" altLang="en-US"/>
           </a:p>
@@ -1942,7 +1958,7 @@
           <a:p>
             <a:fld id="{7D428529-2B06-4619-A05F-91988079594F}" type="datetimeFigureOut">
               <a:rPr lang="zh-TW" altLang="en-US" smtClean="0"/>
-              <a:t>2018/7/28</a:t>
+              <a:t>2020/9/28</a:t>
             </a:fld>
             <a:endParaRPr lang="zh-TW" altLang="en-US"/>
           </a:p>
@@ -2027,8 +2043,8 @@
         </p:nvSpPr>
         <p:spPr>
           <a:xfrm>
-            <a:off x="457200" y="273050"/>
-            <a:ext cx="3008313" cy="1162050"/>
+            <a:off x="609601" y="273050"/>
+            <a:ext cx="4011084" cy="1162050"/>
           </a:xfrm>
         </p:spPr>
         <p:txBody>
@@ -2059,8 +2075,8 @@
         </p:nvSpPr>
         <p:spPr>
           <a:xfrm>
-            <a:off x="3575050" y="273050"/>
-            <a:ext cx="5111750" cy="5853113"/>
+            <a:off x="4766733" y="273051"/>
+            <a:ext cx="6815667" cy="5853113"/>
           </a:xfrm>
         </p:spPr>
         <p:txBody>
@@ -2144,8 +2160,8 @@
         </p:nvSpPr>
         <p:spPr>
           <a:xfrm>
-            <a:off x="457200" y="1435100"/>
-            <a:ext cx="3008313" cy="4691063"/>
+            <a:off x="609601" y="1435101"/>
+            <a:ext cx="4011084" cy="4691063"/>
           </a:xfrm>
         </p:spPr>
         <p:txBody>
@@ -2214,7 +2230,7 @@
           <a:p>
             <a:fld id="{7D428529-2B06-4619-A05F-91988079594F}" type="datetimeFigureOut">
               <a:rPr lang="zh-TW" altLang="en-US" smtClean="0"/>
-              <a:t>2018/7/28</a:t>
+              <a:t>2020/9/28</a:t>
             </a:fld>
             <a:endParaRPr lang="zh-TW" altLang="en-US"/>
           </a:p>
@@ -2299,8 +2315,8 @@
         </p:nvSpPr>
         <p:spPr>
           <a:xfrm>
-            <a:off x="1792288" y="4800600"/>
-            <a:ext cx="5486400" cy="566738"/>
+            <a:off x="2389717" y="4800600"/>
+            <a:ext cx="7315200" cy="566738"/>
           </a:xfrm>
         </p:spPr>
         <p:txBody>
@@ -2331,8 +2347,8 @@
         </p:nvSpPr>
         <p:spPr>
           <a:xfrm>
-            <a:off x="1792288" y="612775"/>
-            <a:ext cx="5486400" cy="4114800"/>
+            <a:off x="2389717" y="612775"/>
+            <a:ext cx="7315200" cy="4114800"/>
           </a:xfrm>
         </p:spPr>
         <p:txBody>
@@ -2396,8 +2412,8 @@
         </p:nvSpPr>
         <p:spPr>
           <a:xfrm>
-            <a:off x="1792288" y="5367338"/>
-            <a:ext cx="5486400" cy="804862"/>
+            <a:off x="2389717" y="5367338"/>
+            <a:ext cx="7315200" cy="804862"/>
           </a:xfrm>
         </p:spPr>
         <p:txBody>
@@ -2466,7 +2482,7 @@
           <a:p>
             <a:fld id="{7D428529-2B06-4619-A05F-91988079594F}" type="datetimeFigureOut">
               <a:rPr lang="zh-TW" altLang="en-US" smtClean="0"/>
-              <a:t>2018/7/28</a:t>
+              <a:t>2020/9/28</a:t>
             </a:fld>
             <a:endParaRPr lang="zh-TW" altLang="en-US"/>
           </a:p>
@@ -2561,8 +2577,8 @@
         </p:nvSpPr>
         <p:spPr>
           <a:xfrm>
-            <a:off x="457200" y="274638"/>
-            <a:ext cx="8229600" cy="1143000"/>
+            <a:off x="609600" y="274638"/>
+            <a:ext cx="10972800" cy="1143000"/>
           </a:xfrm>
           <a:prstGeom prst="rect">
             <a:avLst/>
@@ -2594,8 +2610,8 @@
         </p:nvSpPr>
         <p:spPr>
           <a:xfrm>
-            <a:off x="457200" y="1600200"/>
-            <a:ext cx="8229600" cy="4525963"/>
+            <a:off x="609600" y="1600201"/>
+            <a:ext cx="10972800" cy="4525963"/>
           </a:xfrm>
           <a:prstGeom prst="rect">
             <a:avLst/>
@@ -2656,8 +2672,8 @@
         </p:nvSpPr>
         <p:spPr>
           <a:xfrm>
-            <a:off x="457200" y="6356350"/>
-            <a:ext cx="2133600" cy="365125"/>
+            <a:off x="609600" y="6356351"/>
+            <a:ext cx="2844800" cy="365125"/>
           </a:xfrm>
           <a:prstGeom prst="rect">
             <a:avLst/>
@@ -2679,7 +2695,7 @@
           <a:p>
             <a:fld id="{7D428529-2B06-4619-A05F-91988079594F}" type="datetimeFigureOut">
               <a:rPr lang="zh-TW" altLang="en-US" smtClean="0"/>
-              <a:t>2018/7/28</a:t>
+              <a:t>2020/9/28</a:t>
             </a:fld>
             <a:endParaRPr lang="zh-TW" altLang="en-US"/>
           </a:p>
@@ -2697,8 +2713,8 @@
         </p:nvSpPr>
         <p:spPr>
           <a:xfrm>
-            <a:off x="3124200" y="6356350"/>
-            <a:ext cx="2895600" cy="365125"/>
+            <a:off x="4165600" y="6356351"/>
+            <a:ext cx="3860800" cy="365125"/>
           </a:xfrm>
           <a:prstGeom prst="rect">
             <a:avLst/>
@@ -2734,8 +2750,8 @@
         </p:nvSpPr>
         <p:spPr>
           <a:xfrm>
-            <a:off x="6553200" y="6356350"/>
-            <a:ext cx="2133600" cy="365125"/>
+            <a:off x="8737600" y="6356351"/>
+            <a:ext cx="2844800" cy="365125"/>
           </a:xfrm>
           <a:prstGeom prst="rect">
             <a:avLst/>
@@ -3061,11 +3077,13 @@
         </p:nvSpPr>
         <p:spPr/>
         <p:txBody>
-          <a:bodyPr/>
-          <a:lstStyle/>
-          <a:p>
-            <a:r>
-              <a:rPr lang="zh-TW" altLang="en-US" b="1" dirty="0">
+          <a:bodyPr>
+            <a:normAutofit/>
+          </a:bodyPr>
+          <a:lstStyle/>
+          <a:p>
+            <a:r>
+              <a:rPr lang="zh-TW" altLang="en-US" sz="4800" b="1" dirty="0">
                 <a:solidFill>
                   <a:srgbClr val="000066"/>
                 </a:solidFill>
@@ -3089,7 +3107,7 @@
         </p:nvSpPr>
         <p:spPr>
           <a:xfrm>
-            <a:off x="0" y="1600200"/>
+            <a:off x="1524000" y="1600201"/>
             <a:ext cx="9144000" cy="4525963"/>
           </a:xfrm>
         </p:spPr>
@@ -3103,14 +3121,14 @@
               <a:buNone/>
             </a:pPr>
             <a:r>
-              <a:rPr lang="zh-TW" altLang="en-US" sz="5400" b="1" dirty="0" smtClean="0">
+              <a:rPr lang="zh-TW" altLang="en-US" sz="5400" b="1" dirty="0">
                 <a:solidFill>
                   <a:srgbClr val="000066"/>
                 </a:solidFill>
                 <a:latin typeface="微軟正黑體" pitchFamily="34" charset="-120"/>
                 <a:ea typeface="微軟正黑體" pitchFamily="34" charset="-120"/>
               </a:rPr>
-              <a:t>切勿虛度</a:t>
+              <a:t>切勿虛度光</a:t>
             </a:r>
             <a:r>
               <a:rPr lang="zh-TW" altLang="en-US" sz="5400" b="1" dirty="0" smtClean="0">
@@ -3120,9 +3138,19 @@
                 <a:latin typeface="微軟正黑體" pitchFamily="34" charset="-120"/>
                 <a:ea typeface="微軟正黑體" pitchFamily="34" charset="-120"/>
               </a:rPr>
-              <a:t>光陰</a:t>
-            </a:r>
-            <a:endParaRPr lang="en-US" altLang="zh-TW" sz="5400" b="1" dirty="0" smtClean="0">
+              <a:t>陰空</a:t>
+            </a:r>
+            <a:r>
+              <a:rPr lang="zh-TW" altLang="en-US" sz="5400" b="1" dirty="0">
+                <a:solidFill>
+                  <a:srgbClr val="000066"/>
+                </a:solidFill>
+                <a:latin typeface="微軟正黑體" pitchFamily="34" charset="-120"/>
+                <a:ea typeface="微軟正黑體" pitchFamily="34" charset="-120"/>
+              </a:rPr>
+              <a:t>想將來成大業</a:t>
+            </a:r>
+            <a:endParaRPr lang="en-US" altLang="zh-TW" sz="5400" b="1" dirty="0">
               <a:solidFill>
                 <a:srgbClr val="000066"/>
               </a:solidFill>
@@ -3135,36 +3163,16 @@
               <a:buNone/>
             </a:pPr>
             <a:r>
-              <a:rPr lang="zh-TW" altLang="en-US" sz="5400" b="1" dirty="0" smtClean="0">
+              <a:rPr lang="zh-TW" altLang="en-US" sz="5400" b="1" dirty="0">
                 <a:solidFill>
                   <a:srgbClr val="000066"/>
                 </a:solidFill>
                 <a:latin typeface="微軟正黑體" pitchFamily="34" charset="-120"/>
                 <a:ea typeface="微軟正黑體" pitchFamily="34" charset="-120"/>
               </a:rPr>
-              <a:t>空想</a:t>
-            </a:r>
-            <a:r>
-              <a:rPr lang="zh-TW" altLang="en-US" sz="5400" b="1" dirty="0" smtClean="0">
-                <a:solidFill>
-                  <a:srgbClr val="000066"/>
-                </a:solidFill>
-                <a:latin typeface="微軟正黑體" pitchFamily="34" charset="-120"/>
-                <a:ea typeface="微軟正黑體" pitchFamily="34" charset="-120"/>
-              </a:rPr>
-              <a:t>將來成</a:t>
-            </a:r>
-            <a:r>
-              <a:rPr lang="zh-TW" altLang="en-US" sz="5400" b="1" dirty="0" smtClean="0">
-                <a:solidFill>
-                  <a:srgbClr val="000066"/>
-                </a:solidFill>
-                <a:latin typeface="微軟正黑體" pitchFamily="34" charset="-120"/>
-                <a:ea typeface="微軟正黑體" pitchFamily="34" charset="-120"/>
-              </a:rPr>
-              <a:t>大業</a:t>
-            </a:r>
-            <a:endParaRPr lang="en-US" altLang="zh-TW" sz="5400" b="1" dirty="0" smtClean="0">
+              <a:t>莫耽延速發光照遠方</a:t>
+            </a:r>
+            <a:endParaRPr lang="en-US" altLang="zh-TW" sz="5400" b="1" dirty="0">
               <a:solidFill>
                 <a:srgbClr val="000066"/>
               </a:solidFill>
@@ -3177,36 +3185,16 @@
               <a:buNone/>
             </a:pPr>
             <a:r>
-              <a:rPr lang="zh-TW" altLang="en-US" sz="5400" b="1" dirty="0" smtClean="0">
+              <a:rPr lang="zh-TW" altLang="en-US" sz="5400" b="1" dirty="0">
                 <a:solidFill>
                   <a:srgbClr val="000066"/>
                 </a:solidFill>
                 <a:latin typeface="微軟正黑體" pitchFamily="34" charset="-120"/>
                 <a:ea typeface="微軟正黑體" pitchFamily="34" charset="-120"/>
               </a:rPr>
-              <a:t>莫</a:t>
-            </a:r>
-            <a:r>
-              <a:rPr lang="zh-TW" altLang="en-US" sz="5400" b="1" dirty="0" smtClean="0">
-                <a:solidFill>
-                  <a:srgbClr val="000066"/>
-                </a:solidFill>
-                <a:latin typeface="微軟正黑體" pitchFamily="34" charset="-120"/>
-                <a:ea typeface="微軟正黑體" pitchFamily="34" charset="-120"/>
-              </a:rPr>
-              <a:t>耽延速發光照</a:t>
-            </a:r>
-            <a:r>
-              <a:rPr lang="zh-TW" altLang="en-US" sz="5400" b="1" dirty="0" smtClean="0">
-                <a:solidFill>
-                  <a:srgbClr val="000066"/>
-                </a:solidFill>
-                <a:latin typeface="微軟正黑體" pitchFamily="34" charset="-120"/>
-                <a:ea typeface="微軟正黑體" pitchFamily="34" charset="-120"/>
-              </a:rPr>
-              <a:t>遠方</a:t>
-            </a:r>
-            <a:endParaRPr lang="en-US" altLang="zh-TW" sz="5400" b="1" dirty="0" smtClean="0">
+              <a:t>諸般責任當先快去忠心盡本份</a:t>
+            </a:r>
+            <a:endParaRPr lang="en-US" altLang="zh-TW" sz="5400" b="1" dirty="0">
               <a:solidFill>
                 <a:srgbClr val="000066"/>
               </a:solidFill>
@@ -3219,36 +3207,16 @@
               <a:buNone/>
             </a:pPr>
             <a:r>
-              <a:rPr lang="zh-TW" altLang="en-US" sz="5400" b="1" dirty="0" smtClean="0">
+              <a:rPr lang="zh-TW" altLang="en-US" sz="5400" b="1" dirty="0">
                 <a:solidFill>
                   <a:srgbClr val="000066"/>
                 </a:solidFill>
                 <a:latin typeface="微軟正黑體" pitchFamily="34" charset="-120"/>
                 <a:ea typeface="微軟正黑體" pitchFamily="34" charset="-120"/>
               </a:rPr>
-              <a:t>諸般</a:t>
-            </a:r>
-            <a:r>
-              <a:rPr lang="zh-TW" altLang="en-US" sz="5400" b="1" dirty="0" smtClean="0">
-                <a:solidFill>
-                  <a:srgbClr val="000066"/>
-                </a:solidFill>
-                <a:latin typeface="微軟正黑體" pitchFamily="34" charset="-120"/>
-                <a:ea typeface="微軟正黑體" pitchFamily="34" charset="-120"/>
-              </a:rPr>
-              <a:t>責任當先快去忠心盡本</a:t>
-            </a:r>
-            <a:r>
-              <a:rPr lang="zh-TW" altLang="en-US" sz="5400" b="1" dirty="0" smtClean="0">
-                <a:solidFill>
-                  <a:srgbClr val="000066"/>
-                </a:solidFill>
-                <a:latin typeface="微軟正黑體" pitchFamily="34" charset="-120"/>
-                <a:ea typeface="微軟正黑體" pitchFamily="34" charset="-120"/>
-              </a:rPr>
-              <a:t>份</a:t>
-            </a:r>
-            <a:endParaRPr lang="en-US" altLang="zh-TW" sz="5400" b="1" dirty="0" smtClean="0">
+              <a:t>不論在何處  當發光</a:t>
+            </a:r>
+            <a:endParaRPr lang="zh-TW" altLang="en-US" sz="5400" b="1" dirty="0">
               <a:solidFill>
                 <a:srgbClr val="000066"/>
               </a:solidFill>
@@ -3256,56 +3224,42 @@
               <a:ea typeface="微軟正黑體" pitchFamily="34" charset="-120"/>
             </a:endParaRPr>
           </a:p>
-          <a:p>
-            <a:pPr algn="ctr">
-              <a:buNone/>
-            </a:pPr>
-            <a:r>
-              <a:rPr lang="zh-TW" altLang="en-US" sz="5400" b="1" dirty="0" smtClean="0">
+        </p:txBody>
+      </p:sp>
+      <p:sp>
+        <p:nvSpPr>
+          <p:cNvPr id="2" name="TextBox 1"/>
+          <p:cNvSpPr txBox="1"/>
+          <p:nvPr/>
+        </p:nvSpPr>
+        <p:spPr>
+          <a:xfrm>
+            <a:off x="407368" y="1700808"/>
+            <a:ext cx="756592" cy="923330"/>
+          </a:xfrm>
+          <a:prstGeom prst="rect">
+            <a:avLst/>
+          </a:prstGeom>
+          <a:noFill/>
+        </p:spPr>
+        <p:txBody>
+          <a:bodyPr wrap="square" rtlCol="0">
+            <a:spAutoFit/>
+          </a:bodyPr>
+          <a:lstStyle/>
+          <a:p>
+            <a:r>
+              <a:rPr lang="en-US" sz="5400" b="1" dirty="0" smtClean="0">
                 <a:solidFill>
                   <a:srgbClr val="000066"/>
                 </a:solidFill>
-                <a:latin typeface="微軟正黑體" pitchFamily="34" charset="-120"/>
-                <a:ea typeface="微軟正黑體" pitchFamily="34" charset="-120"/>
               </a:rPr>
-              <a:t>不論</a:t>
-            </a:r>
-            <a:r>
-              <a:rPr lang="zh-TW" altLang="en-US" sz="5400" b="1" dirty="0" smtClean="0">
-                <a:solidFill>
-                  <a:srgbClr val="000066"/>
-                </a:solidFill>
-                <a:latin typeface="微軟正黑體" pitchFamily="34" charset="-120"/>
-                <a:ea typeface="微軟正黑體" pitchFamily="34" charset="-120"/>
-              </a:rPr>
-              <a:t>在</a:t>
-            </a:r>
-            <a:r>
-              <a:rPr lang="zh-TW" altLang="en-US" sz="5400" b="1" dirty="0" smtClean="0">
-                <a:solidFill>
-                  <a:srgbClr val="000066"/>
-                </a:solidFill>
-                <a:latin typeface="微軟正黑體" pitchFamily="34" charset="-120"/>
-                <a:ea typeface="微軟正黑體" pitchFamily="34" charset="-120"/>
-              </a:rPr>
-              <a:t>何處  當</a:t>
-            </a:r>
-            <a:r>
-              <a:rPr lang="zh-TW" altLang="en-US" sz="5400" b="1" dirty="0" smtClean="0">
-                <a:solidFill>
-                  <a:srgbClr val="000066"/>
-                </a:solidFill>
-                <a:latin typeface="微軟正黑體" pitchFamily="34" charset="-120"/>
-                <a:ea typeface="微軟正黑體" pitchFamily="34" charset="-120"/>
-              </a:rPr>
-              <a:t>發光</a:t>
-            </a:r>
-            <a:endParaRPr lang="zh-TW" altLang="en-US" sz="5400" b="1" dirty="0">
+              <a:t>1.</a:t>
+            </a:r>
+            <a:endParaRPr lang="vi-VN" sz="5400" b="1" dirty="0">
               <a:solidFill>
                 <a:srgbClr val="000066"/>
               </a:solidFill>
-              <a:latin typeface="微軟正黑體" pitchFamily="34" charset="-120"/>
-              <a:ea typeface="微軟正黑體" pitchFamily="34" charset="-120"/>
             </a:endParaRPr>
           </a:p>
         </p:txBody>
@@ -3347,11 +3301,13 @@
         </p:nvSpPr>
         <p:spPr/>
         <p:txBody>
-          <a:bodyPr/>
-          <a:lstStyle/>
-          <a:p>
-            <a:r>
-              <a:rPr lang="zh-TW" altLang="en-US" b="1" dirty="0">
+          <a:bodyPr>
+            <a:normAutofit/>
+          </a:bodyPr>
+          <a:lstStyle/>
+          <a:p>
+            <a:r>
+              <a:rPr lang="zh-TW" altLang="en-US" sz="4800" b="1" dirty="0">
                 <a:solidFill>
                   <a:srgbClr val="000066"/>
                 </a:solidFill>
@@ -3375,8 +3331,8 @@
         </p:nvSpPr>
         <p:spPr>
           <a:xfrm>
-            <a:off x="0" y="1600200"/>
-            <a:ext cx="9144000" cy="4525963"/>
+            <a:off x="0" y="1600201"/>
+            <a:ext cx="12192000" cy="4525963"/>
           </a:xfrm>
         </p:spPr>
         <p:txBody>
@@ -3389,7 +3345,7 @@
               <a:buNone/>
             </a:pPr>
             <a:r>
-              <a:rPr lang="zh-TW" altLang="en-US" sz="5400" b="1" dirty="0" smtClean="0">
+              <a:rPr lang="zh-TW" altLang="en-US" sz="5400" b="1" dirty="0">
                 <a:solidFill>
                   <a:srgbClr val="000066"/>
                 </a:solidFill>
@@ -3398,7 +3354,7 @@
               </a:rPr>
               <a:t>不論在何處當發光</a:t>
             </a:r>
-            <a:endParaRPr lang="en-US" altLang="zh-TW" sz="5400" b="1" dirty="0" smtClean="0">
+            <a:endParaRPr lang="en-US" altLang="zh-TW" sz="5400" b="1" dirty="0">
               <a:solidFill>
                 <a:srgbClr val="000066"/>
               </a:solidFill>
@@ -3411,7 +3367,7 @@
               <a:buNone/>
             </a:pPr>
             <a:r>
-              <a:rPr lang="zh-TW" altLang="en-US" sz="5400" b="1" dirty="0" smtClean="0">
+              <a:rPr lang="zh-TW" altLang="en-US" sz="5400" b="1" dirty="0">
                 <a:solidFill>
                   <a:srgbClr val="000066"/>
                 </a:solidFill>
@@ -3420,7 +3376,7 @@
               </a:rPr>
               <a:t>不論在何處當發光</a:t>
             </a:r>
-            <a:endParaRPr lang="en-US" altLang="zh-TW" sz="5400" b="1" dirty="0" smtClean="0">
+            <a:endParaRPr lang="en-US" altLang="zh-TW" sz="5400" b="1" dirty="0">
               <a:solidFill>
                 <a:srgbClr val="000066"/>
               </a:solidFill>
@@ -3433,16 +3389,36 @@
               <a:buNone/>
             </a:pPr>
             <a:r>
-              <a:rPr lang="zh-TW" altLang="en-US" sz="5400" b="1" dirty="0" smtClean="0">
+              <a:rPr lang="zh-TW" altLang="en-US" sz="5400" b="1" dirty="0">
                 <a:solidFill>
                   <a:srgbClr val="000066"/>
                 </a:solidFill>
                 <a:latin typeface="微軟正黑體" pitchFamily="34" charset="-120"/>
                 <a:ea typeface="微軟正黑體" pitchFamily="34" charset="-120"/>
               </a:rPr>
-              <a:t>有人遠離主恩急速盡力去扶助</a:t>
-            </a:r>
-            <a:endParaRPr lang="en-US" altLang="zh-TW" sz="5400" b="1" dirty="0" smtClean="0">
+              <a:t>有人遠離主</a:t>
+            </a:r>
+            <a:r>
+              <a:rPr lang="zh-TW" altLang="en-US" sz="5400" b="1" dirty="0" smtClean="0">
+                <a:solidFill>
+                  <a:srgbClr val="000066"/>
+                </a:solidFill>
+                <a:latin typeface="微軟正黑體" pitchFamily="34" charset="-120"/>
+                <a:ea typeface="微軟正黑體" pitchFamily="34" charset="-120"/>
+              </a:rPr>
+              <a:t>恩  急</a:t>
+            </a:r>
+            <a:r>
+              <a:rPr lang="zh-TW" altLang="en-US" sz="5400" b="1" dirty="0">
+                <a:solidFill>
+                  <a:srgbClr val="000066"/>
+                </a:solidFill>
+                <a:latin typeface="微軟正黑體" pitchFamily="34" charset="-120"/>
+                <a:ea typeface="微軟正黑體" pitchFamily="34" charset="-120"/>
+              </a:rPr>
+              <a:t>速盡力去扶助</a:t>
+            </a:r>
+            <a:endParaRPr lang="en-US" altLang="zh-TW" sz="5400" b="1" dirty="0">
               <a:solidFill>
                 <a:srgbClr val="000066"/>
               </a:solidFill>
@@ -3455,7 +3431,7 @@
               <a:buNone/>
             </a:pPr>
             <a:r>
-              <a:rPr lang="zh-TW" altLang="en-US" sz="5400" b="1" dirty="0" smtClean="0">
+              <a:rPr lang="zh-TW" altLang="en-US" sz="5400" b="1" dirty="0">
                 <a:solidFill>
                   <a:srgbClr val="000066"/>
                 </a:solidFill>
@@ -3504,11 +3480,13 @@
         </p:nvSpPr>
         <p:spPr/>
         <p:txBody>
-          <a:bodyPr/>
-          <a:lstStyle/>
-          <a:p>
-            <a:r>
-              <a:rPr lang="zh-TW" altLang="en-US" b="1" dirty="0">
+          <a:bodyPr>
+            <a:normAutofit/>
+          </a:bodyPr>
+          <a:lstStyle/>
+          <a:p>
+            <a:r>
+              <a:rPr lang="zh-TW" altLang="en-US" sz="4800" b="1" dirty="0">
                 <a:solidFill>
                   <a:srgbClr val="000066"/>
                 </a:solidFill>
@@ -3532,7 +3510,7 @@
         </p:nvSpPr>
         <p:spPr>
           <a:xfrm>
-            <a:off x="0" y="1600200"/>
+            <a:off x="1524000" y="1600201"/>
             <a:ext cx="9144000" cy="4525963"/>
           </a:xfrm>
         </p:spPr>
@@ -3546,16 +3524,36 @@
               <a:buNone/>
             </a:pPr>
             <a:r>
-              <a:rPr lang="zh-TW" altLang="en-US" sz="5400" b="1" dirty="0" smtClean="0">
+              <a:rPr lang="zh-TW" altLang="en-US" sz="5400" b="1" dirty="0">
                 <a:solidFill>
                   <a:srgbClr val="000066"/>
                 </a:solidFill>
                 <a:latin typeface="微軟正黑體" pitchFamily="34" charset="-120"/>
                 <a:ea typeface="微軟正黑體" pitchFamily="34" charset="-120"/>
               </a:rPr>
-              <a:t>仰望陰霾四佈</a:t>
-            </a:r>
-            <a:endParaRPr lang="en-US" altLang="zh-TW" sz="5400" b="1" dirty="0" smtClean="0">
+              <a:t>仰望陰霾四</a:t>
+            </a:r>
+            <a:r>
+              <a:rPr lang="zh-TW" altLang="en-US" sz="5400" b="1" dirty="0" smtClean="0">
+                <a:solidFill>
+                  <a:srgbClr val="000066"/>
+                </a:solidFill>
+                <a:latin typeface="微軟正黑體" pitchFamily="34" charset="-120"/>
+                <a:ea typeface="微軟正黑體" pitchFamily="34" charset="-120"/>
+              </a:rPr>
+              <a:t>佈快</a:t>
+            </a:r>
+            <a:r>
+              <a:rPr lang="zh-TW" altLang="en-US" sz="5400" b="1" dirty="0">
+                <a:solidFill>
+                  <a:srgbClr val="000066"/>
+                </a:solidFill>
+                <a:latin typeface="微軟正黑體" pitchFamily="34" charset="-120"/>
+                <a:ea typeface="微軟正黑體" pitchFamily="34" charset="-120"/>
+              </a:rPr>
+              <a:t>撥雲霧見青天</a:t>
+            </a:r>
+            <a:endParaRPr lang="en-US" altLang="zh-TW" sz="5400" b="1" dirty="0">
               <a:solidFill>
                 <a:srgbClr val="000066"/>
               </a:solidFill>
@@ -3568,16 +3566,16 @@
               <a:buNone/>
             </a:pPr>
             <a:r>
-              <a:rPr lang="zh-TW" altLang="en-US" sz="5400" b="1" dirty="0" smtClean="0">
+              <a:rPr lang="zh-TW" altLang="en-US" sz="5400" b="1" dirty="0">
                 <a:solidFill>
                   <a:srgbClr val="000066"/>
                 </a:solidFill>
                 <a:latin typeface="微軟正黑體" pitchFamily="34" charset="-120"/>
                 <a:ea typeface="微軟正黑體" pitchFamily="34" charset="-120"/>
               </a:rPr>
-              <a:t>快撥雲霧見青天</a:t>
-            </a:r>
-            <a:endParaRPr lang="en-US" altLang="zh-TW" sz="5400" b="1" dirty="0" smtClean="0">
+              <a:t>當克己捨身急公好義</a:t>
+            </a:r>
+            <a:endParaRPr lang="en-US" altLang="zh-TW" sz="5400" b="1" dirty="0">
               <a:solidFill>
                 <a:srgbClr val="000066"/>
               </a:solidFill>
@@ -3590,16 +3588,16 @@
               <a:buNone/>
             </a:pPr>
             <a:r>
-              <a:rPr lang="zh-TW" altLang="en-US" sz="5400" b="1" dirty="0" smtClean="0">
+              <a:rPr lang="zh-TW" altLang="en-US" sz="5400" b="1" dirty="0">
                 <a:solidFill>
                   <a:srgbClr val="000066"/>
                 </a:solidFill>
                 <a:latin typeface="微軟正黑體" pitchFamily="34" charset="-120"/>
                 <a:ea typeface="微軟正黑體" pitchFamily="34" charset="-120"/>
               </a:rPr>
-              <a:t>當克己捨身急公好義</a:t>
-            </a:r>
-            <a:endParaRPr lang="en-US" altLang="zh-TW" sz="5400" b="1" dirty="0" smtClean="0">
+              <a:t>傷心之客在前使彼憂愁變樂觀</a:t>
+            </a:r>
+            <a:endParaRPr lang="en-US" altLang="zh-TW" sz="5400" b="1" dirty="0">
               <a:solidFill>
                 <a:srgbClr val="000066"/>
               </a:solidFill>
@@ -3612,29 +3610,7 @@
               <a:buNone/>
             </a:pPr>
             <a:r>
-              <a:rPr lang="zh-TW" altLang="en-US" sz="5400" b="1" dirty="0" smtClean="0">
-                <a:solidFill>
-                  <a:srgbClr val="000066"/>
-                </a:solidFill>
-                <a:latin typeface="微軟正黑體" pitchFamily="34" charset="-120"/>
-                <a:ea typeface="微軟正黑體" pitchFamily="34" charset="-120"/>
-              </a:rPr>
-              <a:t>傷心之客在前使彼憂愁變樂觀</a:t>
-            </a:r>
-            <a:endParaRPr lang="en-US" altLang="zh-TW" sz="5400" b="1" dirty="0" smtClean="0">
-              <a:solidFill>
-                <a:srgbClr val="000066"/>
-              </a:solidFill>
-              <a:latin typeface="微軟正黑體" pitchFamily="34" charset="-120"/>
-              <a:ea typeface="微軟正黑體" pitchFamily="34" charset="-120"/>
-            </a:endParaRPr>
-          </a:p>
-          <a:p>
-            <a:pPr algn="ctr">
-              <a:buNone/>
-            </a:pPr>
-            <a:r>
-              <a:rPr lang="zh-TW" altLang="en-US" sz="5400" b="1" dirty="0" smtClean="0">
+              <a:rPr lang="zh-TW" altLang="en-US" sz="5400" b="1" dirty="0">
                 <a:solidFill>
                   <a:srgbClr val="000066"/>
                 </a:solidFill>
@@ -3643,6 +3619,52 @@
               </a:rPr>
               <a:t>不論在何處  當發光</a:t>
             </a:r>
+          </a:p>
+        </p:txBody>
+      </p:sp>
+      <p:sp>
+        <p:nvSpPr>
+          <p:cNvPr id="6" name="TextBox 5"/>
+          <p:cNvSpPr txBox="1"/>
+          <p:nvPr/>
+        </p:nvSpPr>
+        <p:spPr>
+          <a:xfrm>
+            <a:off x="407368" y="1700808"/>
+            <a:ext cx="756592" cy="923330"/>
+          </a:xfrm>
+          <a:prstGeom prst="rect">
+            <a:avLst/>
+          </a:prstGeom>
+          <a:noFill/>
+        </p:spPr>
+        <p:txBody>
+          <a:bodyPr wrap="square" rtlCol="0">
+            <a:spAutoFit/>
+          </a:bodyPr>
+          <a:lstStyle/>
+          <a:p>
+            <a:r>
+              <a:rPr lang="en-US" sz="5400" b="1" dirty="0">
+                <a:solidFill>
+                  <a:srgbClr val="000066"/>
+                </a:solidFill>
+              </a:rPr>
+              <a:t>2</a:t>
+            </a:r>
+            <a:r>
+              <a:rPr lang="en-US" sz="5400" b="1" dirty="0" smtClean="0">
+                <a:solidFill>
+                  <a:srgbClr val="000066"/>
+                </a:solidFill>
+              </a:rPr>
+              <a:t>.</a:t>
+            </a:r>
+            <a:endParaRPr lang="vi-VN" sz="5400" b="1" dirty="0">
+              <a:solidFill>
+                <a:srgbClr val="000066"/>
+              </a:solidFill>
+            </a:endParaRPr>
           </a:p>
         </p:txBody>
       </p:sp>
@@ -3683,11 +3705,13 @@
         </p:nvSpPr>
         <p:spPr/>
         <p:txBody>
-          <a:bodyPr/>
-          <a:lstStyle/>
-          <a:p>
-            <a:r>
-              <a:rPr lang="zh-TW" altLang="en-US" b="1" dirty="0">
+          <a:bodyPr>
+            <a:normAutofit/>
+          </a:bodyPr>
+          <a:lstStyle/>
+          <a:p>
+            <a:r>
+              <a:rPr lang="zh-TW" altLang="en-US" sz="4800" b="1" dirty="0">
                 <a:solidFill>
                   <a:srgbClr val="000066"/>
                 </a:solidFill>
@@ -3711,8 +3735,8 @@
         </p:nvSpPr>
         <p:spPr>
           <a:xfrm>
-            <a:off x="0" y="1600200"/>
-            <a:ext cx="9144000" cy="4525963"/>
+            <a:off x="0" y="1600201"/>
+            <a:ext cx="12192000" cy="4525963"/>
           </a:xfrm>
         </p:spPr>
         <p:txBody>
@@ -3725,7 +3749,7 @@
               <a:buNone/>
             </a:pPr>
             <a:r>
-              <a:rPr lang="zh-TW" altLang="en-US" sz="5400" b="1" dirty="0" smtClean="0">
+              <a:rPr lang="zh-TW" altLang="en-US" sz="5400" b="1" dirty="0">
                 <a:solidFill>
                   <a:srgbClr val="000066"/>
                 </a:solidFill>
@@ -3734,7 +3758,7 @@
               </a:rPr>
               <a:t>不論在何處當發光</a:t>
             </a:r>
-            <a:endParaRPr lang="en-US" altLang="zh-TW" sz="5400" b="1" dirty="0" smtClean="0">
+            <a:endParaRPr lang="en-US" altLang="zh-TW" sz="5400" b="1" dirty="0">
               <a:solidFill>
                 <a:srgbClr val="000066"/>
               </a:solidFill>
@@ -3747,7 +3771,7 @@
               <a:buNone/>
             </a:pPr>
             <a:r>
-              <a:rPr lang="zh-TW" altLang="en-US" sz="5400" b="1" dirty="0" smtClean="0">
+              <a:rPr lang="zh-TW" altLang="en-US" sz="5400" b="1" dirty="0">
                 <a:solidFill>
                   <a:srgbClr val="000066"/>
                 </a:solidFill>
@@ -3756,7 +3780,7 @@
               </a:rPr>
               <a:t>不論在何處當發光</a:t>
             </a:r>
-            <a:endParaRPr lang="en-US" altLang="zh-TW" sz="5400" b="1" dirty="0" smtClean="0">
+            <a:endParaRPr lang="en-US" altLang="zh-TW" sz="5400" b="1" dirty="0">
               <a:solidFill>
                 <a:srgbClr val="000066"/>
               </a:solidFill>
@@ -3769,16 +3793,36 @@
               <a:buNone/>
             </a:pPr>
             <a:r>
-              <a:rPr lang="zh-TW" altLang="en-US" sz="5400" b="1" dirty="0" smtClean="0">
+              <a:rPr lang="zh-TW" altLang="en-US" sz="5400" b="1" dirty="0">
                 <a:solidFill>
                   <a:srgbClr val="000066"/>
                 </a:solidFill>
                 <a:latin typeface="微軟正黑體" pitchFamily="34" charset="-120"/>
                 <a:ea typeface="微軟正黑體" pitchFamily="34" charset="-120"/>
               </a:rPr>
-              <a:t>有人遠離主恩急速盡力去扶助</a:t>
-            </a:r>
-            <a:endParaRPr lang="en-US" altLang="zh-TW" sz="5400" b="1" dirty="0" smtClean="0">
+              <a:t>有人遠離主</a:t>
+            </a:r>
+            <a:r>
+              <a:rPr lang="zh-TW" altLang="en-US" sz="5400" b="1" dirty="0" smtClean="0">
+                <a:solidFill>
+                  <a:srgbClr val="000066"/>
+                </a:solidFill>
+                <a:latin typeface="微軟正黑體" pitchFamily="34" charset="-120"/>
+                <a:ea typeface="微軟正黑體" pitchFamily="34" charset="-120"/>
+              </a:rPr>
+              <a:t>恩  急</a:t>
+            </a:r>
+            <a:r>
+              <a:rPr lang="zh-TW" altLang="en-US" sz="5400" b="1" dirty="0">
+                <a:solidFill>
+                  <a:srgbClr val="000066"/>
+                </a:solidFill>
+                <a:latin typeface="微軟正黑體" pitchFamily="34" charset="-120"/>
+                <a:ea typeface="微軟正黑體" pitchFamily="34" charset="-120"/>
+              </a:rPr>
+              <a:t>速盡力去扶助</a:t>
+            </a:r>
+            <a:endParaRPr lang="en-US" altLang="zh-TW" sz="5400" b="1" dirty="0">
               <a:solidFill>
                 <a:srgbClr val="000066"/>
               </a:solidFill>
@@ -3791,7 +3835,7 @@
               <a:buNone/>
             </a:pPr>
             <a:r>
-              <a:rPr lang="zh-TW" altLang="en-US" sz="5400" b="1" dirty="0" smtClean="0">
+              <a:rPr lang="zh-TW" altLang="en-US" sz="5400" b="1" dirty="0">
                 <a:solidFill>
                   <a:srgbClr val="000066"/>
                 </a:solidFill>
@@ -3840,11 +3884,13 @@
         </p:nvSpPr>
         <p:spPr/>
         <p:txBody>
-          <a:bodyPr/>
-          <a:lstStyle/>
-          <a:p>
-            <a:r>
-              <a:rPr lang="zh-TW" altLang="en-US" b="1" dirty="0">
+          <a:bodyPr>
+            <a:normAutofit/>
+          </a:bodyPr>
+          <a:lstStyle/>
+          <a:p>
+            <a:r>
+              <a:rPr lang="zh-TW" altLang="en-US" sz="4800" b="1" dirty="0">
                 <a:solidFill>
                   <a:srgbClr val="000066"/>
                 </a:solidFill>
@@ -3868,7 +3914,7 @@
         </p:nvSpPr>
         <p:spPr>
           <a:xfrm>
-            <a:off x="0" y="1600200"/>
+            <a:off x="1524000" y="1600201"/>
             <a:ext cx="9144000" cy="4525963"/>
           </a:xfrm>
         </p:spPr>
@@ -3882,7 +3928,7 @@
               <a:buNone/>
             </a:pPr>
             <a:r>
-              <a:rPr lang="zh-TW" altLang="en-US" sz="5400" b="1" dirty="0" smtClean="0">
+              <a:rPr lang="zh-TW" altLang="en-US" sz="5400" b="1" dirty="0">
                 <a:solidFill>
                   <a:srgbClr val="000066"/>
                 </a:solidFill>
@@ -3891,7 +3937,7 @@
               </a:rPr>
               <a:t>你若舉目四顧就見多人需你幫</a:t>
             </a:r>
-            <a:endParaRPr lang="en-US" altLang="zh-TW" sz="5400" b="1" dirty="0" smtClean="0">
+            <a:endParaRPr lang="en-US" altLang="zh-TW" sz="5400" b="1" dirty="0">
               <a:solidFill>
                 <a:srgbClr val="000066"/>
               </a:solidFill>
@@ -3904,7 +3950,7 @@
               <a:buNone/>
             </a:pPr>
             <a:r>
-              <a:rPr lang="zh-TW" altLang="en-US" sz="5400" b="1" dirty="0" smtClean="0">
+              <a:rPr lang="zh-TW" altLang="en-US" sz="5400" b="1" dirty="0">
                 <a:solidFill>
                   <a:srgbClr val="000066"/>
                 </a:solidFill>
@@ -3913,7 +3959,7 @@
               </a:rPr>
               <a:t>如同明星照耀快發光</a:t>
             </a:r>
-            <a:endParaRPr lang="en-US" altLang="zh-TW" sz="5400" b="1" dirty="0" smtClean="0">
+            <a:endParaRPr lang="en-US" altLang="zh-TW" sz="5400" b="1" dirty="0">
               <a:solidFill>
                 <a:srgbClr val="000066"/>
               </a:solidFill>
@@ -3926,7 +3972,7 @@
               <a:buNone/>
             </a:pPr>
             <a:r>
-              <a:rPr lang="zh-TW" altLang="en-US" sz="5400" b="1" dirty="0" smtClean="0">
+              <a:rPr lang="zh-TW" altLang="en-US" sz="5400" b="1" dirty="0">
                 <a:solidFill>
                   <a:srgbClr val="000066"/>
                 </a:solidFill>
@@ -3935,7 +3981,7 @@
               </a:rPr>
               <a:t>你有生命之餅可餧饑眾免流離</a:t>
             </a:r>
-            <a:endParaRPr lang="en-US" altLang="zh-TW" sz="5400" b="1" dirty="0" smtClean="0">
+            <a:endParaRPr lang="en-US" altLang="zh-TW" sz="5400" b="1" dirty="0">
               <a:solidFill>
                 <a:srgbClr val="000066"/>
               </a:solidFill>
@@ -3948,7 +3994,7 @@
               <a:buNone/>
             </a:pPr>
             <a:r>
-              <a:rPr lang="zh-TW" altLang="en-US" sz="5400" b="1" dirty="0" smtClean="0">
+              <a:rPr lang="zh-TW" altLang="en-US" sz="5400" b="1" dirty="0">
                 <a:solidFill>
                   <a:srgbClr val="000066"/>
                 </a:solidFill>
@@ -3957,6 +4003,52 @@
               </a:rPr>
               <a:t>不論在何處  當發光</a:t>
             </a:r>
+          </a:p>
+        </p:txBody>
+      </p:sp>
+      <p:sp>
+        <p:nvSpPr>
+          <p:cNvPr id="6" name="TextBox 5"/>
+          <p:cNvSpPr txBox="1"/>
+          <p:nvPr/>
+        </p:nvSpPr>
+        <p:spPr>
+          <a:xfrm>
+            <a:off x="407368" y="1700808"/>
+            <a:ext cx="756592" cy="923330"/>
+          </a:xfrm>
+          <a:prstGeom prst="rect">
+            <a:avLst/>
+          </a:prstGeom>
+          <a:noFill/>
+        </p:spPr>
+        <p:txBody>
+          <a:bodyPr wrap="square" rtlCol="0">
+            <a:spAutoFit/>
+          </a:bodyPr>
+          <a:lstStyle/>
+          <a:p>
+            <a:r>
+              <a:rPr lang="en-US" sz="5400" b="1" dirty="0">
+                <a:solidFill>
+                  <a:srgbClr val="000066"/>
+                </a:solidFill>
+              </a:rPr>
+              <a:t>3</a:t>
+            </a:r>
+            <a:r>
+              <a:rPr lang="en-US" sz="5400" b="1" dirty="0" smtClean="0">
+                <a:solidFill>
+                  <a:srgbClr val="000066"/>
+                </a:solidFill>
+              </a:rPr>
+              <a:t>.</a:t>
+            </a:r>
+            <a:endParaRPr lang="vi-VN" sz="5400" b="1" dirty="0">
+              <a:solidFill>
+                <a:srgbClr val="000066"/>
+              </a:solidFill>
+            </a:endParaRPr>
           </a:p>
         </p:txBody>
       </p:sp>
@@ -3997,11 +4089,13 @@
         </p:nvSpPr>
         <p:spPr/>
         <p:txBody>
-          <a:bodyPr/>
-          <a:lstStyle/>
-          <a:p>
-            <a:r>
-              <a:rPr lang="zh-TW" altLang="en-US" b="1" dirty="0">
+          <a:bodyPr>
+            <a:normAutofit/>
+          </a:bodyPr>
+          <a:lstStyle/>
+          <a:p>
+            <a:r>
+              <a:rPr lang="zh-TW" altLang="en-US" sz="4800" b="1" dirty="0">
                 <a:solidFill>
                   <a:srgbClr val="000066"/>
                 </a:solidFill>
@@ -4025,8 +4119,8 @@
         </p:nvSpPr>
         <p:spPr>
           <a:xfrm>
-            <a:off x="0" y="1600200"/>
-            <a:ext cx="9144000" cy="4525963"/>
+            <a:off x="0" y="1600201"/>
+            <a:ext cx="12192000" cy="4525963"/>
           </a:xfrm>
         </p:spPr>
         <p:txBody>
@@ -4039,7 +4133,7 @@
               <a:buNone/>
             </a:pPr>
             <a:r>
-              <a:rPr lang="zh-TW" altLang="en-US" sz="5400" b="1" dirty="0" smtClean="0">
+              <a:rPr lang="zh-TW" altLang="en-US" sz="5400" b="1" dirty="0">
                 <a:solidFill>
                   <a:srgbClr val="000066"/>
                 </a:solidFill>
@@ -4048,7 +4142,7 @@
               </a:rPr>
               <a:t>不論在何處當發光</a:t>
             </a:r>
-            <a:endParaRPr lang="en-US" altLang="zh-TW" sz="5400" b="1" dirty="0" smtClean="0">
+            <a:endParaRPr lang="en-US" altLang="zh-TW" sz="5400" b="1" dirty="0">
               <a:solidFill>
                 <a:srgbClr val="000066"/>
               </a:solidFill>
@@ -4061,7 +4155,7 @@
               <a:buNone/>
             </a:pPr>
             <a:r>
-              <a:rPr lang="zh-TW" altLang="en-US" sz="5400" b="1" dirty="0" smtClean="0">
+              <a:rPr lang="zh-TW" altLang="en-US" sz="5400" b="1" dirty="0">
                 <a:solidFill>
                   <a:srgbClr val="000066"/>
                 </a:solidFill>
@@ -4070,7 +4164,7 @@
               </a:rPr>
               <a:t>不論在何處當發光</a:t>
             </a:r>
-            <a:endParaRPr lang="en-US" altLang="zh-TW" sz="5400" b="1" dirty="0" smtClean="0">
+            <a:endParaRPr lang="en-US" altLang="zh-TW" sz="5400" b="1" dirty="0">
               <a:solidFill>
                 <a:srgbClr val="000066"/>
               </a:solidFill>
@@ -4083,16 +4177,36 @@
               <a:buNone/>
             </a:pPr>
             <a:r>
-              <a:rPr lang="zh-TW" altLang="en-US" sz="5400" b="1" dirty="0" smtClean="0">
+              <a:rPr lang="zh-TW" altLang="en-US" sz="5400" b="1" dirty="0">
                 <a:solidFill>
                   <a:srgbClr val="000066"/>
                 </a:solidFill>
                 <a:latin typeface="微軟正黑體" pitchFamily="34" charset="-120"/>
                 <a:ea typeface="微軟正黑體" pitchFamily="34" charset="-120"/>
               </a:rPr>
-              <a:t>有人遠離主恩急速盡力去扶助</a:t>
-            </a:r>
-            <a:endParaRPr lang="en-US" altLang="zh-TW" sz="5400" b="1" dirty="0" smtClean="0">
+              <a:t>有人遠離主</a:t>
+            </a:r>
+            <a:r>
+              <a:rPr lang="zh-TW" altLang="en-US" sz="5400" b="1" dirty="0" smtClean="0">
+                <a:solidFill>
+                  <a:srgbClr val="000066"/>
+                </a:solidFill>
+                <a:latin typeface="微軟正黑體" pitchFamily="34" charset="-120"/>
+                <a:ea typeface="微軟正黑體" pitchFamily="34" charset="-120"/>
+              </a:rPr>
+              <a:t>恩  急</a:t>
+            </a:r>
+            <a:r>
+              <a:rPr lang="zh-TW" altLang="en-US" sz="5400" b="1" dirty="0">
+                <a:solidFill>
+                  <a:srgbClr val="000066"/>
+                </a:solidFill>
+                <a:latin typeface="微軟正黑體" pitchFamily="34" charset="-120"/>
+                <a:ea typeface="微軟正黑體" pitchFamily="34" charset="-120"/>
+              </a:rPr>
+              <a:t>速盡力去扶助</a:t>
+            </a:r>
+            <a:endParaRPr lang="en-US" altLang="zh-TW" sz="5400" b="1" dirty="0">
               <a:solidFill>
                 <a:srgbClr val="000066"/>
               </a:solidFill>
@@ -4105,7 +4219,7 @@
               <a:buNone/>
             </a:pPr>
             <a:r>
-              <a:rPr lang="zh-TW" altLang="en-US" sz="5400" b="1" dirty="0" smtClean="0">
+              <a:rPr lang="zh-TW" altLang="en-US" sz="5400" b="1" dirty="0">
                 <a:solidFill>
                   <a:srgbClr val="000066"/>
                 </a:solidFill>
